--- a/Section02/Data_Analytics.pptx
+++ b/Section02/Data_Analytics.pptx
@@ -283,8 +283,11 @@
     </a:lvl9pPr>
   </p:defaultTextStyle>
   <p:extLst>
+    <p:ext uri="{EFAFB233-063F-42B5-8137-9DF3F51BA10A}">
+      <p15:sldGuideLst xmlns:p15="http://schemas.microsoft.com/office/powerpoint/2012/main"/>
+    </p:ext>
     <p:ext uri="http://customooxmlschemas.google.com/">
-      <go:slidesCustomData xmlns:go="http://customooxmlschemas.google.com/" xmlns:ahyp="http://schemas.microsoft.com/office/drawing/2018/hyperlinkcolor" xmlns:p15="http://schemas.microsoft.com/office/powerpoint/2012/main" xmlns:p14="http://schemas.microsoft.com/office/powerpoint/2010/main" xmlns:com="http://schemas.openxmlformats.org/drawingml/2006/compatibility" xmlns:pvml="urn:schemas-microsoft-com:office:powerpoint" xmlns:v="urn:schemas-microsoft-com:vml" xmlns:o="urn:schemas-microsoft-com:office:office" xmlns:dgm="http://schemas.openxmlformats.org/drawingml/2006/diagram" xmlns:c="http://schemas.openxmlformats.org/drawingml/2006/chart" xmlns:mv="urn:schemas-microsoft-com:mac:vml" xmlns:mc="http://schemas.openxmlformats.org/markup-compatibility/2006" xmlns="" r:id="rId53" roundtripDataSignature="AMtx7mibhW5gNs+yuMwXsrTAHjBGwJpiUg=="/>
+      <go:slidesCustomData xmlns="" xmlns:mc="http://schemas.openxmlformats.org/markup-compatibility/2006" xmlns:mv="urn:schemas-microsoft-com:mac:vml" xmlns:c="http://schemas.openxmlformats.org/drawingml/2006/chart" xmlns:dgm="http://schemas.openxmlformats.org/drawingml/2006/diagram" xmlns:o="urn:schemas-microsoft-com:office:office" xmlns:v="urn:schemas-microsoft-com:vml" xmlns:pvml="urn:schemas-microsoft-com:office:powerpoint" xmlns:com="http://schemas.openxmlformats.org/drawingml/2006/compatibility" xmlns:p14="http://schemas.microsoft.com/office/powerpoint/2010/main" xmlns:p15="http://schemas.microsoft.com/office/powerpoint/2012/main" xmlns:ahyp="http://schemas.microsoft.com/office/drawing/2018/hyperlinkcolor" xmlns:go="http://customooxmlschemas.google.com/" r:id="rId53" roundtripDataSignature="AMtx7mibhW5gNs+yuMwXsrTAHjBGwJpiUg=="/>
     </p:ext>
   </p:extLst>
 </p:presentation>
@@ -25837,7 +25840,7 @@
                 <a:buNone/>
               </a:pPr>
               <a:r>
-                <a:rPr lang="en-US" sz="2500" b="1">
+                <a:rPr lang="en-US" sz="2500" b="1" dirty="0">
                   <a:solidFill>
                     <a:srgbClr val="FF0000"/>
                   </a:solidFill>
@@ -25848,7 +25851,7 @@
                 </a:rPr>
                 <a:t>Evaluation</a:t>
               </a:r>
-              <a:endParaRPr/>
+              <a:endParaRPr dirty="0"/>
             </a:p>
             <a:p>
               <a:pPr marL="0" marR="0" lvl="0" indent="0" algn="ctr" rtl="0">
@@ -25869,7 +25872,7 @@
                 <a:buNone/>
               </a:pPr>
               <a:r>
-                <a:rPr lang="en-US" sz="2500">
+                <a:rPr lang="en-US" sz="2500" dirty="0">
                   <a:solidFill>
                     <a:schemeClr val="lt1"/>
                   </a:solidFill>
@@ -25878,9 +25881,9 @@
                   <a:cs typeface="Libre Franklin"/>
                   <a:sym typeface="Libre Franklin"/>
                 </a:rPr>
-                <a:t>Which model best meets the business objectives?</a:t>
+                <a:t>Which model best meets business objectives?</a:t>
               </a:r>
-              <a:endParaRPr/>
+              <a:endParaRPr dirty="0"/>
             </a:p>
           </p:txBody>
         </p:sp>
@@ -25973,7 +25976,7 @@
                 <a:buNone/>
               </a:pPr>
               <a:r>
-                <a:rPr lang="en-US" sz="2500" b="1">
+                <a:rPr lang="en-US" sz="2500" b="1" dirty="0">
                   <a:solidFill>
                     <a:srgbClr val="FF0000"/>
                   </a:solidFill>
@@ -25984,7 +25987,7 @@
                 </a:rPr>
                 <a:t>Deployment</a:t>
               </a:r>
-              <a:endParaRPr/>
+              <a:endParaRPr dirty="0"/>
             </a:p>
             <a:p>
               <a:pPr marL="0" marR="0" lvl="0" indent="0" algn="ctr" rtl="0">
@@ -26005,6 +26008,18 @@
                 <a:buNone/>
               </a:pPr>
               <a:r>
+                <a:rPr lang="en-US" sz="2500" dirty="0">
+                  <a:solidFill>
+                    <a:schemeClr val="lt1"/>
+                  </a:solidFill>
+                  <a:latin typeface="Libre Franklin"/>
+                  <a:ea typeface="Libre Franklin"/>
+                  <a:cs typeface="Libre Franklin"/>
+                  <a:sym typeface="Libre Franklin"/>
+                </a:rPr>
+                <a:t>How </a:t>
+              </a:r>
+              <a:r>
                 <a:rPr lang="en-US" sz="2500">
                   <a:solidFill>
                     <a:schemeClr val="lt1"/>
@@ -26014,9 +26029,33 @@
                   <a:cs typeface="Libre Franklin"/>
                   <a:sym typeface="Libre Franklin"/>
                 </a:rPr>
-                <a:t>How do stakeholders access the results?</a:t>
+                <a:t>to share </a:t>
               </a:r>
-              <a:endParaRPr/>
+              <a:r>
+                <a:rPr lang="en-US" sz="2500" dirty="0">
+                  <a:solidFill>
+                    <a:schemeClr val="lt1"/>
+                  </a:solidFill>
+                  <a:latin typeface="Libre Franklin"/>
+                  <a:ea typeface="Libre Franklin"/>
+                  <a:cs typeface="Libre Franklin"/>
+                  <a:sym typeface="Libre Franklin"/>
+                </a:rPr>
+                <a:t>results </a:t>
+              </a:r>
+              <a:r>
+                <a:rPr lang="en-US" sz="2500">
+                  <a:solidFill>
+                    <a:schemeClr val="lt1"/>
+                  </a:solidFill>
+                  <a:latin typeface="Libre Franklin"/>
+                  <a:ea typeface="Libre Franklin"/>
+                  <a:cs typeface="Libre Franklin"/>
+                  <a:sym typeface="Libre Franklin"/>
+                </a:rPr>
+                <a:t>with stakeholders?</a:t>
+              </a:r>
+              <a:endParaRPr dirty="0"/>
             </a:p>
           </p:txBody>
         </p:sp>
